--- a/Cours/02_ProgressionPedagogique.pptx
+++ b/Cours/02_ProgressionPedagogique.pptx
@@ -208,7 +208,7 @@
           <a:p>
             <a:fld id="{0198A5FA-8F0A-4416-A5C2-E78A06059D0C}" type="datetimeFigureOut">
               <a:rPr lang="fr-FR" smtClean="0"/>
-              <a:t>26/09/2021</a:t>
+              <a:t>19/09/2022</a:t>
             </a:fld>
             <a:endParaRPr lang="fr-FR"/>
           </a:p>
@@ -706,7 +706,7 @@
             <a:fld id="{083690E8-6EB9-4D50-99B0-6570114ECF94}" type="datetime1">
               <a:rPr lang="fr-FR" smtClean="0"/>
               <a:pPr/>
-              <a:t>26/09/2021</a:t>
+              <a:t>19/09/2022</a:t>
             </a:fld>
             <a:endParaRPr lang="fr-FR"/>
           </a:p>
@@ -955,7 +955,7 @@
           <a:p>
             <a:fld id="{50AE660E-0E73-4EA5-9DC7-2419A03FA610}" type="datetime1">
               <a:rPr lang="fr-FR" smtClean="0"/>
-              <a:t>26/09/2021</a:t>
+              <a:t>19/09/2022</a:t>
             </a:fld>
             <a:endParaRPr lang="fr-FR"/>
           </a:p>
@@ -1214,7 +1214,7 @@
           <a:p>
             <a:fld id="{209EEC30-7159-48BD-919E-B88BF5B4871D}" type="datetime1">
               <a:rPr lang="fr-FR" smtClean="0"/>
-              <a:t>26/09/2021</a:t>
+              <a:t>19/09/2022</a:t>
             </a:fld>
             <a:endParaRPr lang="fr-FR"/>
           </a:p>
@@ -1416,7 +1416,7 @@
           <a:p>
             <a:fld id="{8F29FABF-E80A-495C-9336-B7587141AD88}" type="datetime1">
               <a:rPr lang="fr-FR" smtClean="0"/>
-              <a:t>26/09/2021</a:t>
+              <a:t>19/09/2022</a:t>
             </a:fld>
             <a:endParaRPr lang="fr-FR"/>
           </a:p>
@@ -1762,7 +1762,7 @@
           <a:p>
             <a:fld id="{AFB32791-F8EC-4A6B-8875-0772A0F6D4E8}" type="datetime1">
               <a:rPr lang="fr-FR" smtClean="0"/>
-              <a:t>26/09/2021</a:t>
+              <a:t>19/09/2022</a:t>
             </a:fld>
             <a:endParaRPr lang="fr-FR"/>
           </a:p>
@@ -2090,7 +2090,7 @@
           <a:p>
             <a:fld id="{6F6E662D-883D-4916-A9C6-9B8A15764FA4}" type="datetime1">
               <a:rPr lang="fr-FR" smtClean="0"/>
-              <a:t>26/09/2021</a:t>
+              <a:t>19/09/2022</a:t>
             </a:fld>
             <a:endParaRPr lang="fr-FR"/>
           </a:p>
@@ -2522,7 +2522,7 @@
           <a:p>
             <a:fld id="{8CC6729C-8CF9-4A35-BF91-254AFE4A0BFF}" type="datetime1">
               <a:rPr lang="fr-FR" smtClean="0"/>
-              <a:t>26/09/2021</a:t>
+              <a:t>19/09/2022</a:t>
             </a:fld>
             <a:endParaRPr lang="fr-FR"/>
           </a:p>
@@ -2643,7 +2643,7 @@
           <a:p>
             <a:fld id="{7C64ED20-4FDF-4984-8839-93AD0C0F3999}" type="datetime1">
               <a:rPr lang="fr-FR" smtClean="0"/>
-              <a:t>26/09/2021</a:t>
+              <a:t>19/09/2022</a:t>
             </a:fld>
             <a:endParaRPr lang="fr-FR"/>
           </a:p>
@@ -2817,7 +2817,7 @@
           <a:p>
             <a:fld id="{975177CB-274D-4F54-B777-893CB4D9A54D}" type="datetime1">
               <a:rPr lang="fr-FR" smtClean="0"/>
-              <a:t>26/09/2021</a:t>
+              <a:t>19/09/2022</a:t>
             </a:fld>
             <a:endParaRPr lang="fr-FR"/>
           </a:p>
@@ -3174,7 +3174,7 @@
           <a:p>
             <a:fld id="{519BD2F3-EBBD-4C08-A019-2D876658B899}" type="datetime1">
               <a:rPr lang="fr-FR" smtClean="0"/>
-              <a:t>26/09/2021</a:t>
+              <a:t>19/09/2022</a:t>
             </a:fld>
             <a:endParaRPr lang="fr-FR"/>
           </a:p>
@@ -3559,7 +3559,7 @@
           <a:p>
             <a:fld id="{F4C6F08E-408B-402B-8B70-8D56FF60FA51}" type="datetime1">
               <a:rPr lang="fr-FR" smtClean="0"/>
-              <a:t>26/09/2021</a:t>
+              <a:t>19/09/2022</a:t>
             </a:fld>
             <a:endParaRPr lang="fr-FR"/>
           </a:p>
@@ -3854,7 +3854,7 @@
           <a:p>
             <a:fld id="{3D0DD409-5CB6-45A1-9126-76FD1E26B274}" type="datetime1">
               <a:rPr lang="fr-FR" smtClean="0"/>
-              <a:t>26/09/2021</a:t>
+              <a:t>19/09/2022</a:t>
             </a:fld>
             <a:endParaRPr lang="fr-FR" dirty="0"/>
           </a:p>
@@ -4794,7 +4794,7 @@
             </a:pPr>
             <a:r>
               <a:rPr lang="fr-FR" sz="2800" dirty="0"/>
-              <a:t> Certaines compétence peuvent être considérées comme à acquisition longue (les compétences expérimentales ou les compétences de communication par exemple). </a:t>
+              <a:t> Certaines compétences peuvent être considérées comme à acquisition longue (les compétences expérimentales ou les compétences de communication par exemple). </a:t>
             </a:r>
           </a:p>
           <a:p>
@@ -6387,7 +6387,15 @@
                   <a:schemeClr val="tx1"/>
                 </a:solidFill>
               </a:rPr>
-              <a:t>Bloc 1</a:t>
+              <a:t>Bloc 1 </a:t>
+            </a:r>
+            <a:r>
+              <a:rPr lang="fr-FR" sz="1400" baseline="30000" dirty="0">
+                <a:solidFill>
+                  <a:schemeClr val="tx1"/>
+                </a:solidFill>
+              </a:rPr>
+              <a:t>*</a:t>
             </a:r>
           </a:p>
         </p:txBody>
@@ -6577,7 +6585,7 @@
                   <a:schemeClr val="tx1"/>
                 </a:solidFill>
               </a:rPr>
-              <a:t>Nom du cycle</a:t>
+              <a:t>Nom du cycle (ou séquence)</a:t>
             </a:r>
           </a:p>
           <a:p>
@@ -7328,6 +7336,41 @@
           </a:p>
         </p:txBody>
       </p:sp>
+      <p:sp>
+        <p:nvSpPr>
+          <p:cNvPr id="3" name="ZoneTexte 2">
+            <a:extLst>
+              <a:ext uri="{FF2B5EF4-FFF2-40B4-BE49-F238E27FC236}">
+                <a16:creationId xmlns:a16="http://schemas.microsoft.com/office/drawing/2014/main" id="{5213FF9F-D0B7-786E-9A78-7C6C9A1F369B}"/>
+              </a:ext>
+            </a:extLst>
+          </p:cNvPr>
+          <p:cNvSpPr txBox="1"/>
+          <p:nvPr/>
+        </p:nvSpPr>
+        <p:spPr>
+          <a:xfrm>
+            <a:off x="688385" y="1939730"/>
+            <a:ext cx="6211948" cy="276999"/>
+          </a:xfrm>
+          <a:prstGeom prst="rect">
+            <a:avLst/>
+          </a:prstGeom>
+          <a:noFill/>
+        </p:spPr>
+        <p:txBody>
+          <a:bodyPr wrap="square" rtlCol="0">
+            <a:spAutoFit/>
+          </a:bodyPr>
+          <a:lstStyle/>
+          <a:p>
+            <a:r>
+              <a:rPr lang="fr-FR" sz="1200" dirty="0"/>
+              <a:t>* Bloc de compétence ou Cycle ou Séquence</a:t>
+            </a:r>
+          </a:p>
+        </p:txBody>
+      </p:sp>
     </p:spTree>
     <p:extLst>
       <p:ext uri="{BB962C8B-B14F-4D97-AF65-F5344CB8AC3E}">
@@ -7426,15 +7469,7 @@
             </a:pPr>
             <a:r>
               <a:rPr lang="fr-FR" sz="2000" dirty="0"/>
-              <a:t> Dans le cadre du Fellow, les épreuves s’appuient sur les sections PSI et </a:t>
-            </a:r>
-            <a:r>
-              <a:rPr lang="fr-FR" sz="2000" dirty="0" err="1"/>
-              <a:t>TSI</a:t>
-            </a:r>
-            <a:r>
-              <a:rPr lang="fr-FR" sz="2000" dirty="0"/>
-              <a:t>. </a:t>
+              <a:t> Dans le cadre du dossier Fellow , les épreuves s’appuient sur les sections PSI et TSI. </a:t>
             </a:r>
           </a:p>
           <a:p>

--- a/Cours/02_ProgressionPedagogique.pptx
+++ b/Cours/02_ProgressionPedagogique.pptx
@@ -208,7 +208,7 @@
           <a:p>
             <a:fld id="{0198A5FA-8F0A-4416-A5C2-E78A06059D0C}" type="datetimeFigureOut">
               <a:rPr lang="fr-FR" smtClean="0"/>
-              <a:t>19/09/2022</a:t>
+              <a:t>30/01/2023</a:t>
             </a:fld>
             <a:endParaRPr lang="fr-FR"/>
           </a:p>
@@ -706,7 +706,7 @@
             <a:fld id="{083690E8-6EB9-4D50-99B0-6570114ECF94}" type="datetime1">
               <a:rPr lang="fr-FR" smtClean="0"/>
               <a:pPr/>
-              <a:t>19/09/2022</a:t>
+              <a:t>30/01/2023</a:t>
             </a:fld>
             <a:endParaRPr lang="fr-FR"/>
           </a:p>
@@ -955,7 +955,7 @@
           <a:p>
             <a:fld id="{50AE660E-0E73-4EA5-9DC7-2419A03FA610}" type="datetime1">
               <a:rPr lang="fr-FR" smtClean="0"/>
-              <a:t>19/09/2022</a:t>
+              <a:t>30/01/2023</a:t>
             </a:fld>
             <a:endParaRPr lang="fr-FR"/>
           </a:p>
@@ -1214,7 +1214,7 @@
           <a:p>
             <a:fld id="{209EEC30-7159-48BD-919E-B88BF5B4871D}" type="datetime1">
               <a:rPr lang="fr-FR" smtClean="0"/>
-              <a:t>19/09/2022</a:t>
+              <a:t>30/01/2023</a:t>
             </a:fld>
             <a:endParaRPr lang="fr-FR"/>
           </a:p>
@@ -1416,7 +1416,7 @@
           <a:p>
             <a:fld id="{8F29FABF-E80A-495C-9336-B7587141AD88}" type="datetime1">
               <a:rPr lang="fr-FR" smtClean="0"/>
-              <a:t>19/09/2022</a:t>
+              <a:t>30/01/2023</a:t>
             </a:fld>
             <a:endParaRPr lang="fr-FR"/>
           </a:p>
@@ -1762,7 +1762,7 @@
           <a:p>
             <a:fld id="{AFB32791-F8EC-4A6B-8875-0772A0F6D4E8}" type="datetime1">
               <a:rPr lang="fr-FR" smtClean="0"/>
-              <a:t>19/09/2022</a:t>
+              <a:t>30/01/2023</a:t>
             </a:fld>
             <a:endParaRPr lang="fr-FR"/>
           </a:p>
@@ -2090,7 +2090,7 @@
           <a:p>
             <a:fld id="{6F6E662D-883D-4916-A9C6-9B8A15764FA4}" type="datetime1">
               <a:rPr lang="fr-FR" smtClean="0"/>
-              <a:t>19/09/2022</a:t>
+              <a:t>30/01/2023</a:t>
             </a:fld>
             <a:endParaRPr lang="fr-FR"/>
           </a:p>
@@ -2522,7 +2522,7 @@
           <a:p>
             <a:fld id="{8CC6729C-8CF9-4A35-BF91-254AFE4A0BFF}" type="datetime1">
               <a:rPr lang="fr-FR" smtClean="0"/>
-              <a:t>19/09/2022</a:t>
+              <a:t>30/01/2023</a:t>
             </a:fld>
             <a:endParaRPr lang="fr-FR"/>
           </a:p>
@@ -2643,7 +2643,7 @@
           <a:p>
             <a:fld id="{7C64ED20-4FDF-4984-8839-93AD0C0F3999}" type="datetime1">
               <a:rPr lang="fr-FR" smtClean="0"/>
-              <a:t>19/09/2022</a:t>
+              <a:t>30/01/2023</a:t>
             </a:fld>
             <a:endParaRPr lang="fr-FR"/>
           </a:p>
@@ -2817,7 +2817,7 @@
           <a:p>
             <a:fld id="{975177CB-274D-4F54-B777-893CB4D9A54D}" type="datetime1">
               <a:rPr lang="fr-FR" smtClean="0"/>
-              <a:t>19/09/2022</a:t>
+              <a:t>30/01/2023</a:t>
             </a:fld>
             <a:endParaRPr lang="fr-FR"/>
           </a:p>
@@ -3174,7 +3174,7 @@
           <a:p>
             <a:fld id="{519BD2F3-EBBD-4C08-A019-2D876658B899}" type="datetime1">
               <a:rPr lang="fr-FR" smtClean="0"/>
-              <a:t>19/09/2022</a:t>
+              <a:t>30/01/2023</a:t>
             </a:fld>
             <a:endParaRPr lang="fr-FR"/>
           </a:p>
@@ -3559,7 +3559,7 @@
           <a:p>
             <a:fld id="{F4C6F08E-408B-402B-8B70-8D56FF60FA51}" type="datetime1">
               <a:rPr lang="fr-FR" smtClean="0"/>
-              <a:t>19/09/2022</a:t>
+              <a:t>30/01/2023</a:t>
             </a:fld>
             <a:endParaRPr lang="fr-FR"/>
           </a:p>
@@ -3704,9 +3704,7 @@
             <a:srgbClr val="62553E"/>
           </a:solidFill>
           <a:ln>
-            <a:solidFill>
-              <a:schemeClr val="accent1"/>
-            </a:solidFill>
+            <a:noFill/>
           </a:ln>
         </p:spPr>
         <p:style>
@@ -3854,7 +3852,7 @@
           <a:p>
             <a:fld id="{3D0DD409-5CB6-45A1-9126-76FD1E26B274}" type="datetime1">
               <a:rPr lang="fr-FR" smtClean="0"/>
-              <a:t>19/09/2022</a:t>
+              <a:t>30/01/2023</a:t>
             </a:fld>
             <a:endParaRPr lang="fr-FR" dirty="0"/>
           </a:p>
